--- a/Documentacao/FIAP-QualidProjSW-Aula-1-Introducao Qualidade - EXERCICIOS.pptx
+++ b/Documentacao/FIAP-QualidProjSW-Aula-1-Introducao Qualidade - EXERCICIOS.pptx
@@ -5,7 +5,7 @@
     <p:sldMasterId id="2147483648" r:id="rId1"/>
   </p:sldMasterIdLst>
   <p:notesMasterIdLst>
-    <p:notesMasterId r:id="rId12"/>
+    <p:notesMasterId r:id="rId13"/>
   </p:notesMasterIdLst>
   <p:sldIdLst>
     <p:sldId id="351" r:id="rId2"/>
@@ -18,6 +18,7 @@
     <p:sldId id="683" r:id="rId9"/>
     <p:sldId id="674" r:id="rId10"/>
     <p:sldId id="685" r:id="rId11"/>
+    <p:sldId id="686" r:id="rId12"/>
   </p:sldIdLst>
   <p:sldSz cx="9144000" cy="6858000" type="screen4x3"/>
   <p:notesSz cx="6858000" cy="9144000"/>
@@ -217,7 +218,7 @@
           <a:p>
             <a:fld id="{B6D4C934-FEA0-426E-B081-61FE807EA637}" type="datetimeFigureOut">
               <a:rPr lang="pt-BR" smtClean="0"/>
-              <a:t>22/01/2020</a:t>
+              <a:t>26/03/2020</a:t>
             </a:fld>
             <a:endParaRPr lang="pt-BR"/>
           </a:p>
@@ -1441,7 +1442,7 @@
           <a:p>
             <a:fld id="{89C4B140-6DEB-45EB-A5FE-2FE213A19AB6}" type="datetimeFigureOut">
               <a:rPr lang="pt-BR" smtClean="0"/>
-              <a:t>22/01/2020</a:t>
+              <a:t>26/03/2020</a:t>
             </a:fld>
             <a:endParaRPr lang="pt-BR"/>
           </a:p>
@@ -1649,7 +1650,7 @@
           <a:p>
             <a:fld id="{89C4B140-6DEB-45EB-A5FE-2FE213A19AB6}" type="datetimeFigureOut">
               <a:rPr lang="pt-BR" smtClean="0"/>
-              <a:t>22/01/2020</a:t>
+              <a:t>26/03/2020</a:t>
             </a:fld>
             <a:endParaRPr lang="pt-BR"/>
           </a:p>
@@ -1857,7 +1858,7 @@
           <a:p>
             <a:fld id="{89C4B140-6DEB-45EB-A5FE-2FE213A19AB6}" type="datetimeFigureOut">
               <a:rPr lang="pt-BR" smtClean="0"/>
-              <a:t>22/01/2020</a:t>
+              <a:t>26/03/2020</a:t>
             </a:fld>
             <a:endParaRPr lang="pt-BR"/>
           </a:p>
@@ -2263,7 +2264,7 @@
           <a:p>
             <a:fld id="{89C4B140-6DEB-45EB-A5FE-2FE213A19AB6}" type="datetimeFigureOut">
               <a:rPr lang="pt-BR" smtClean="0"/>
-              <a:t>22/01/2020</a:t>
+              <a:t>26/03/2020</a:t>
             </a:fld>
             <a:endParaRPr lang="pt-BR"/>
           </a:p>
@@ -2538,7 +2539,7 @@
           <a:p>
             <a:fld id="{89C4B140-6DEB-45EB-A5FE-2FE213A19AB6}" type="datetimeFigureOut">
               <a:rPr lang="pt-BR" smtClean="0"/>
-              <a:t>22/01/2020</a:t>
+              <a:t>26/03/2020</a:t>
             </a:fld>
             <a:endParaRPr lang="pt-BR"/>
           </a:p>
@@ -2861,7 +2862,7 @@
           <a:p>
             <a:fld id="{89C4B140-6DEB-45EB-A5FE-2FE213A19AB6}" type="datetimeFigureOut">
               <a:rPr lang="pt-BR" smtClean="0"/>
-              <a:t>22/01/2020</a:t>
+              <a:t>26/03/2020</a:t>
             </a:fld>
             <a:endParaRPr lang="pt-BR"/>
           </a:p>
@@ -3324,7 +3325,7 @@
           <a:p>
             <a:fld id="{89C4B140-6DEB-45EB-A5FE-2FE213A19AB6}" type="datetimeFigureOut">
               <a:rPr lang="pt-BR" smtClean="0"/>
-              <a:t>22/01/2020</a:t>
+              <a:t>26/03/2020</a:t>
             </a:fld>
             <a:endParaRPr lang="pt-BR"/>
           </a:p>
@@ -3473,7 +3474,7 @@
           <a:p>
             <a:fld id="{89C4B140-6DEB-45EB-A5FE-2FE213A19AB6}" type="datetimeFigureOut">
               <a:rPr lang="pt-BR" smtClean="0"/>
-              <a:t>22/01/2020</a:t>
+              <a:t>26/03/2020</a:t>
             </a:fld>
             <a:endParaRPr lang="pt-BR"/>
           </a:p>
@@ -3592,7 +3593,7 @@
           <a:p>
             <a:fld id="{89C4B140-6DEB-45EB-A5FE-2FE213A19AB6}" type="datetimeFigureOut">
               <a:rPr lang="pt-BR" smtClean="0"/>
-              <a:t>22/01/2020</a:t>
+              <a:t>26/03/2020</a:t>
             </a:fld>
             <a:endParaRPr lang="pt-BR"/>
           </a:p>
@@ -3900,7 +3901,7 @@
           <a:p>
             <a:fld id="{89C4B140-6DEB-45EB-A5FE-2FE213A19AB6}" type="datetimeFigureOut">
               <a:rPr lang="pt-BR" smtClean="0"/>
-              <a:t>22/01/2020</a:t>
+              <a:t>26/03/2020</a:t>
             </a:fld>
             <a:endParaRPr lang="pt-BR"/>
           </a:p>
@@ -4185,7 +4186,7 @@
           <a:p>
             <a:fld id="{89C4B140-6DEB-45EB-A5FE-2FE213A19AB6}" type="datetimeFigureOut">
               <a:rPr lang="pt-BR" smtClean="0"/>
-              <a:t>22/01/2020</a:t>
+              <a:t>26/03/2020</a:t>
             </a:fld>
             <a:endParaRPr lang="pt-BR"/>
           </a:p>
@@ -5400,6 +5401,74 @@
     <p:extLst>
       <p:ext uri="{BB962C8B-B14F-4D97-AF65-F5344CB8AC3E}">
         <p14:creationId xmlns:p14="http://schemas.microsoft.com/office/powerpoint/2010/main" val="146669276"/>
+      </p:ext>
+    </p:extLst>
+  </p:cSld>
+  <p:clrMapOvr>
+    <a:masterClrMapping/>
+  </p:clrMapOvr>
+</p:sld>
+</file>
+
+<file path=ppt/slides/slide11.xml><?xml version="1.0" encoding="utf-8"?>
+<p:sld xmlns:a="http://schemas.openxmlformats.org/drawingml/2006/main" xmlns:r="http://schemas.openxmlformats.org/officeDocument/2006/relationships" xmlns:p="http://schemas.openxmlformats.org/presentationml/2006/main">
+  <p:cSld>
+    <p:spTree>
+      <p:nvGrpSpPr>
+        <p:cNvPr id="1" name=""/>
+        <p:cNvGrpSpPr/>
+        <p:nvPr/>
+      </p:nvGrpSpPr>
+      <p:grpSpPr>
+        <a:xfrm>
+          <a:off x="0" y="0"/>
+          <a:ext cx="0" cy="0"/>
+          <a:chOff x="0" y="0"/>
+          <a:chExt cx="0" cy="0"/>
+        </a:xfrm>
+      </p:grpSpPr>
+      <p:sp>
+        <p:nvSpPr>
+          <p:cNvPr id="2" name="Título 1"/>
+          <p:cNvSpPr>
+            <a:spLocks noGrp="1"/>
+          </p:cNvSpPr>
+          <p:nvPr>
+            <p:ph type="title"/>
+          </p:nvPr>
+        </p:nvSpPr>
+        <p:spPr/>
+        <p:txBody>
+          <a:bodyPr/>
+          <a:lstStyle/>
+          <a:p>
+            <a:endParaRPr lang="pt-BR"/>
+          </a:p>
+        </p:txBody>
+      </p:sp>
+      <p:sp>
+        <p:nvSpPr>
+          <p:cNvPr id="3" name="Espaço Reservado para Conteúdo 2"/>
+          <p:cNvSpPr>
+            <a:spLocks noGrp="1"/>
+          </p:cNvSpPr>
+          <p:nvPr>
+            <p:ph idx="1"/>
+          </p:nvPr>
+        </p:nvSpPr>
+        <p:spPr/>
+        <p:txBody>
+          <a:bodyPr/>
+          <a:lstStyle/>
+          <a:p>
+            <a:endParaRPr lang="pt-BR"/>
+          </a:p>
+        </p:txBody>
+      </p:sp>
+    </p:spTree>
+    <p:extLst>
+      <p:ext uri="{BB962C8B-B14F-4D97-AF65-F5344CB8AC3E}">
+        <p14:creationId xmlns:p14="http://schemas.microsoft.com/office/powerpoint/2010/main" val="964497020"/>
       </p:ext>
     </p:extLst>
   </p:cSld>
